--- a/docs/diagrams/Diagrams.pptx
+++ b/docs/diagrams/Diagrams.pptx
@@ -116,7 +116,7 @@
   </p:defaultTextStyle>
   <p:extLst>
     <p:ext uri="{EFAFB233-063F-42B5-8137-9DF3F51BA10A}">
-      <p15:sldGuideLst xmlns:p15="http://schemas.microsoft.com/office/powerpoint/2012/main">
+      <p15:sldGuideLst xmlns:p15="http://schemas.microsoft.com/office/powerpoint/2012/main" xmlns="">
         <p15:guide id="1" orient="horz" pos="1488">
           <p15:clr>
             <a:srgbClr val="A4A3A4"/>
@@ -215,7 +215,7 @@
           <a:p>
             <a:fld id="{F5CC4B3F-88C1-4FFA-B1B6-F41C21DC6924}" type="datetimeFigureOut">
               <a:rPr lang="en-US" smtClean="0"/>
-              <a:t>10/28/2016</a:t>
+              <a:t>27/10/16</a:t>
             </a:fld>
             <a:endParaRPr lang="en-US"/>
           </a:p>
@@ -661,7 +661,7 @@
           <a:p>
             <a:fld id="{78C97017-6FC3-485B-9764-EAC9E56C1D49}" type="datetimeFigureOut">
               <a:rPr lang="en-US" smtClean="0"/>
-              <a:t>10/28/2016</a:t>
+              <a:t>27/10/16</a:t>
             </a:fld>
             <a:endParaRPr lang="en-US"/>
           </a:p>
@@ -829,7 +829,7 @@
           <a:p>
             <a:fld id="{78C97017-6FC3-485B-9764-EAC9E56C1D49}" type="datetimeFigureOut">
               <a:rPr lang="en-US" smtClean="0"/>
-              <a:t>10/28/2016</a:t>
+              <a:t>27/10/16</a:t>
             </a:fld>
             <a:endParaRPr lang="en-US"/>
           </a:p>
@@ -1007,7 +1007,7 @@
           <a:p>
             <a:fld id="{78C97017-6FC3-485B-9764-EAC9E56C1D49}" type="datetimeFigureOut">
               <a:rPr lang="en-US" smtClean="0"/>
-              <a:t>10/28/2016</a:t>
+              <a:t>27/10/16</a:t>
             </a:fld>
             <a:endParaRPr lang="en-US"/>
           </a:p>
@@ -1175,7 +1175,7 @@
           <a:p>
             <a:fld id="{78C97017-6FC3-485B-9764-EAC9E56C1D49}" type="datetimeFigureOut">
               <a:rPr lang="en-US" smtClean="0"/>
-              <a:t>10/28/2016</a:t>
+              <a:t>27/10/16</a:t>
             </a:fld>
             <a:endParaRPr lang="en-US"/>
           </a:p>
@@ -1420,7 +1420,7 @@
           <a:p>
             <a:fld id="{78C97017-6FC3-485B-9764-EAC9E56C1D49}" type="datetimeFigureOut">
               <a:rPr lang="en-US" smtClean="0"/>
-              <a:t>10/28/2016</a:t>
+              <a:t>27/10/16</a:t>
             </a:fld>
             <a:endParaRPr lang="en-US"/>
           </a:p>
@@ -1705,7 +1705,7 @@
           <a:p>
             <a:fld id="{78C97017-6FC3-485B-9764-EAC9E56C1D49}" type="datetimeFigureOut">
               <a:rPr lang="en-US" smtClean="0"/>
-              <a:t>10/28/2016</a:t>
+              <a:t>27/10/16</a:t>
             </a:fld>
             <a:endParaRPr lang="en-US"/>
           </a:p>
@@ -2124,7 +2124,7 @@
           <a:p>
             <a:fld id="{78C97017-6FC3-485B-9764-EAC9E56C1D49}" type="datetimeFigureOut">
               <a:rPr lang="en-US" smtClean="0"/>
-              <a:t>10/28/2016</a:t>
+              <a:t>27/10/16</a:t>
             </a:fld>
             <a:endParaRPr lang="en-US"/>
           </a:p>
@@ -2241,7 +2241,7 @@
           <a:p>
             <a:fld id="{78C97017-6FC3-485B-9764-EAC9E56C1D49}" type="datetimeFigureOut">
               <a:rPr lang="en-US" smtClean="0"/>
-              <a:t>10/28/2016</a:t>
+              <a:t>27/10/16</a:t>
             </a:fld>
             <a:endParaRPr lang="en-US"/>
           </a:p>
@@ -2336,7 +2336,7 @@
           <a:p>
             <a:fld id="{78C97017-6FC3-485B-9764-EAC9E56C1D49}" type="datetimeFigureOut">
               <a:rPr lang="en-US" smtClean="0"/>
-              <a:t>10/28/2016</a:t>
+              <a:t>27/10/16</a:t>
             </a:fld>
             <a:endParaRPr lang="en-US"/>
           </a:p>
@@ -2611,7 +2611,7 @@
           <a:p>
             <a:fld id="{78C97017-6FC3-485B-9764-EAC9E56C1D49}" type="datetimeFigureOut">
               <a:rPr lang="en-US" smtClean="0"/>
-              <a:t>10/28/2016</a:t>
+              <a:t>27/10/16</a:t>
             </a:fld>
             <a:endParaRPr lang="en-US"/>
           </a:p>
@@ -2863,7 +2863,7 @@
           <a:p>
             <a:fld id="{78C97017-6FC3-485B-9764-EAC9E56C1D49}" type="datetimeFigureOut">
               <a:rPr lang="en-US" smtClean="0"/>
-              <a:t>10/28/2016</a:t>
+              <a:t>27/10/16</a:t>
             </a:fld>
             <a:endParaRPr lang="en-US"/>
           </a:p>
@@ -3074,7 +3074,7 @@
           <a:p>
             <a:fld id="{78C97017-6FC3-485B-9764-EAC9E56C1D49}" type="datetimeFigureOut">
               <a:rPr lang="en-US" smtClean="0"/>
-              <a:t>10/28/2016</a:t>
+              <a:t>27/10/16</a:t>
             </a:fld>
             <a:endParaRPr lang="en-US"/>
           </a:p>
@@ -5725,20 +5725,12 @@
           <a:lstStyle/>
           <a:p>
             <a:r>
-              <a:rPr lang="en-US" sz="1400" dirty="0" err="1" smtClean="0">
+              <a:rPr lang="en-US" sz="1400" dirty="0" err="1">
                 <a:solidFill>
                   <a:srgbClr val="7030A0"/>
                 </a:solidFill>
               </a:rPr>
-              <a:t>deleteTask</a:t>
-            </a:r>
-            <a:r>
-              <a:rPr lang="en-US" sz="1400" dirty="0" smtClean="0">
-                <a:solidFill>
-                  <a:srgbClr val="7030A0"/>
-                </a:solidFill>
-              </a:rPr>
-              <a:t>(p</a:t>
+              <a:t>deletePerson</a:t>
             </a:r>
             <a:r>
               <a:rPr lang="en-US" sz="1400" dirty="0">
@@ -5746,7 +5738,7 @@
                   <a:srgbClr val="7030A0"/>
                 </a:solidFill>
               </a:rPr>
-              <a:t>)</a:t>
+              <a:t>(p)</a:t>
             </a:r>
           </a:p>
         </p:txBody>
@@ -5774,7 +5766,7 @@
           <a:lstStyle/>
           <a:p>
             <a:r>
-              <a:rPr lang="en-US" sz="1400" dirty="0" smtClean="0">
+              <a:rPr lang="en-US" sz="1400" dirty="0">
                 <a:solidFill>
                   <a:schemeClr val="accent5">
                     <a:lumMod val="75000"/>
@@ -5784,24 +5776,14 @@
               <a:t>post(</a:t>
             </a:r>
             <a:r>
-              <a:rPr lang="en-US" sz="1400" dirty="0" err="1" smtClean="0">
+              <a:rPr lang="en-US" sz="1400" dirty="0" err="1">
                 <a:solidFill>
                   <a:schemeClr val="accent5">
                     <a:lumMod val="75000"/>
                   </a:schemeClr>
                 </a:solidFill>
               </a:rPr>
-              <a:t>ToDoList</a:t>
-            </a:r>
-            <a:r>
-              <a:rPr lang="en-US" sz="1400" dirty="0" err="1" smtClean="0">
-                <a:solidFill>
-                  <a:schemeClr val="accent5">
-                    <a:lumMod val="75000"/>
-                  </a:schemeClr>
-                </a:solidFill>
-              </a:rPr>
-              <a:t>ChangedEvent</a:t>
+              <a:t>AddressBookChangedEvent</a:t>
             </a:r>
             <a:r>
               <a:rPr lang="en-US" sz="1400" dirty="0">
@@ -6351,7 +6333,7 @@
           <a:lstStyle/>
           <a:p>
             <a:r>
-              <a:rPr lang="en-US" sz="1400" dirty="0" smtClean="0">
+              <a:rPr lang="en-US" sz="1400" dirty="0">
                 <a:solidFill>
                   <a:schemeClr val="accent5">
                     <a:lumMod val="75000"/>
@@ -6361,24 +6343,14 @@
               <a:t>post(</a:t>
             </a:r>
             <a:r>
-              <a:rPr lang="en-US" sz="1400" dirty="0" err="1" smtClean="0">
+              <a:rPr lang="en-US" sz="1400" dirty="0" err="1">
                 <a:solidFill>
                   <a:schemeClr val="accent5">
                     <a:lumMod val="75000"/>
                   </a:schemeClr>
                 </a:solidFill>
               </a:rPr>
-              <a:t>ToDoList</a:t>
-            </a:r>
-            <a:r>
-              <a:rPr lang="en-US" sz="1400" dirty="0" err="1" smtClean="0">
-                <a:solidFill>
-                  <a:schemeClr val="accent5">
-                    <a:lumMod val="75000"/>
-                  </a:schemeClr>
-                </a:solidFill>
-              </a:rPr>
-              <a:t>ChangedEvent</a:t>
+              <a:t>AddressBookChangedEvent</a:t>
             </a:r>
             <a:r>
               <a:rPr lang="en-US" sz="1400" dirty="0">
@@ -6736,14 +6708,14 @@
           <a:lstStyle/>
           <a:p>
             <a:r>
-              <a:rPr lang="en-US" sz="1400" dirty="0" err="1" smtClean="0">
+              <a:rPr lang="en-US" sz="1400" dirty="0" err="1">
                 <a:solidFill>
                   <a:schemeClr val="accent6">
                     <a:lumMod val="75000"/>
                   </a:schemeClr>
                 </a:solidFill>
               </a:rPr>
-              <a:t>handleToDoListChangedEvent</a:t>
+              <a:t>handleAddresssBookChangedEvent</a:t>
             </a:r>
             <a:r>
               <a:rPr lang="en-US" sz="1400" dirty="0">
@@ -7042,12 +7014,12 @@
           <a:lstStyle/>
           <a:p>
             <a:r>
-              <a:rPr lang="en-US" sz="1400" dirty="0" err="1" smtClean="0">
+              <a:rPr lang="en-US" sz="1400" dirty="0" err="1">
                 <a:solidFill>
                   <a:srgbClr val="00B050"/>
                 </a:solidFill>
               </a:rPr>
-              <a:t>handleToDoListChangedEvent</a:t>
+              <a:t>handleAddresssBookChangedEvent</a:t>
             </a:r>
             <a:r>
               <a:rPr lang="en-US" sz="1400" dirty="0">
@@ -8096,24 +8068,14 @@
           <a:p>
             <a:pPr algn="ctr"/>
             <a:r>
-              <a:rPr lang="en-US" sz="1050" b="1" dirty="0" err="1" smtClean="0">
+              <a:rPr lang="en-US" sz="1050" b="1" dirty="0" err="1">
                 <a:solidFill>
                   <a:schemeClr val="accent3">
                     <a:lumMod val="75000"/>
                   </a:schemeClr>
                 </a:solidFill>
               </a:rPr>
-              <a:t>Task</a:t>
-            </a:r>
-            <a:r>
-              <a:rPr lang="en-US" sz="1050" b="1" dirty="0" err="1" smtClean="0">
-                <a:solidFill>
-                  <a:schemeClr val="accent3">
-                    <a:lumMod val="75000"/>
-                  </a:schemeClr>
-                </a:solidFill>
-              </a:rPr>
-              <a:t>ListPanel</a:t>
+              <a:t>PersonListPanel</a:t>
             </a:r>
             <a:endParaRPr lang="en-SG" sz="1050" b="1" dirty="0">
               <a:solidFill>
@@ -8166,24 +8128,14 @@
           <a:p>
             <a:pPr algn="ctr"/>
             <a:r>
-              <a:rPr lang="en-US" sz="1050" b="1" dirty="0" err="1" smtClean="0">
+              <a:rPr lang="en-US" sz="1050" b="1" dirty="0" err="1">
                 <a:solidFill>
                   <a:schemeClr val="accent3">
                     <a:lumMod val="75000"/>
                   </a:schemeClr>
                 </a:solidFill>
               </a:rPr>
-              <a:t>Task</a:t>
-            </a:r>
-            <a:r>
-              <a:rPr lang="en-US" sz="1050" b="1" dirty="0" err="1" smtClean="0">
-                <a:solidFill>
-                  <a:schemeClr val="accent3">
-                    <a:lumMod val="75000"/>
-                  </a:schemeClr>
-                </a:solidFill>
-              </a:rPr>
-              <a:t>Card</a:t>
+              <a:t>PersonCard</a:t>
             </a:r>
             <a:endParaRPr lang="en-SG" sz="1050" b="1" dirty="0">
               <a:solidFill>
